--- a/VB Redwood CookBook 2025 SaaS_POCs_V4.pptx
+++ b/VB Redwood CookBook 2025 SaaS_POCs_V4.pptx
@@ -8023,7 +8023,7 @@
           <a:lstStyle/>
           <a:p>
             <a:r>
-              <a:rPr lang="en-US" sz="3700" kern="1200">
+              <a:rPr lang="en-US" sz="3700" kern="1200" dirty="0">
                 <a:solidFill>
                   <a:srgbClr val="FFFFFF"/>
                 </a:solidFill>
@@ -8031,7 +8031,7 @@
                 <a:ea typeface="+mj-ea"/>
                 <a:cs typeface="+mj-cs"/>
               </a:rPr>
-              <a:t>Summary of Redwood POC’s as of July 2025</a:t>
+              <a:t>Summary of Redwood POC’s as of August 2025</a:t>
             </a:r>
           </a:p>
         </p:txBody>
